--- a/Presentation/MyoMusicPresentation.pptx
+++ b/Presentation/MyoMusicPresentation.pptx
@@ -10,7 +10,8 @@
     <p:sldId id="260" r:id="rId4"/>
     <p:sldId id="262" r:id="rId5"/>
     <p:sldId id="259" r:id="rId6"/>
-    <p:sldId id="261" r:id="rId7"/>
+    <p:sldId id="263" r:id="rId7"/>
+    <p:sldId id="261" r:id="rId8"/>
   </p:sldIdLst>
   <p:sldSz cx="9144000" cy="6858000" type="screen4x3"/>
   <p:notesSz cx="6858000" cy="9144000"/>
@@ -3212,7 +3213,7 @@
         <p:spPr>
           <a:xfrm>
             <a:off x="441756" y="4708292"/>
-            <a:ext cx="8702244" cy="1477328"/>
+            <a:ext cx="8702244" cy="1754327"/>
           </a:xfrm>
           <a:prstGeom prst="rect">
             <a:avLst/>
@@ -3279,8 +3280,35 @@
                 <a:latin typeface="Heiti TC Light"/>
                 <a:cs typeface="Heiti TC Light"/>
               </a:rPr>
-              <a:t>Brian Zhu</a:t>
-            </a:r>
+              <a:t>Brian </a:t>
+            </a:r>
+            <a:r>
+              <a:rPr lang="fr-CA" b="1" dirty="0">
+                <a:latin typeface="Heiti TC Light"/>
+                <a:cs typeface="Heiti TC Light"/>
+              </a:rPr>
+              <a:t>Zhu</a:t>
+            </a:r>
+          </a:p>
+          <a:p>
+            <a:r>
+              <a:rPr lang="fr-CA" b="1" dirty="0">
+                <a:latin typeface="Heiti TC Light"/>
+                <a:cs typeface="Heiti TC Light"/>
+              </a:rPr>
+              <a:t>Victor </a:t>
+            </a:r>
+            <a:r>
+              <a:rPr lang="fr-CA" b="1" dirty="0" err="1" smtClean="0">
+                <a:latin typeface="Heiti TC Light"/>
+                <a:cs typeface="Heiti TC Light"/>
+              </a:rPr>
+              <a:t>Dyotte</a:t>
+            </a:r>
+            <a:endParaRPr lang="fr-CA" b="1" dirty="0" smtClean="0">
+              <a:latin typeface="Heiti TC Light"/>
+              <a:cs typeface="Heiti TC Light"/>
+            </a:endParaRPr>
           </a:p>
           <a:p>
             <a:r>
@@ -3288,14 +3316,7 @@
                 <a:latin typeface="Heiti TC Light"/>
                 <a:cs typeface="Heiti TC Light"/>
               </a:rPr>
-              <a:t>Lucie B</a:t>
-            </a:r>
-            <a:r>
-              <a:rPr lang="fr-CA" b="1" dirty="0" smtClean="0">
-                <a:latin typeface="Heiti TC Light"/>
-                <a:cs typeface="Heiti TC Light"/>
-              </a:rPr>
-              <a:t>élanger</a:t>
+              <a:t>Lucie Bélanger</a:t>
             </a:r>
             <a:endParaRPr lang="fr-CA" b="1" dirty="0">
               <a:latin typeface="Heiti TC Light"/>
@@ -4078,6 +4099,285 @@
 </file>
 
 <file path=ppt/slides/slide6.xml><?xml version="1.0" encoding="utf-8"?>
+<p:sld xmlns:a="http://schemas.openxmlformats.org/drawingml/2006/main" xmlns:r="http://schemas.openxmlformats.org/officeDocument/2006/relationships" xmlns:p="http://schemas.openxmlformats.org/presentationml/2006/main">
+  <p:cSld>
+    <p:spTree>
+      <p:nvGrpSpPr>
+        <p:cNvPr id="1" name=""/>
+        <p:cNvGrpSpPr/>
+        <p:nvPr/>
+      </p:nvGrpSpPr>
+      <p:grpSpPr>
+        <a:xfrm>
+          <a:off x="0" y="0"/>
+          <a:ext cx="0" cy="0"/>
+          <a:chOff x="0" y="0"/>
+          <a:chExt cx="0" cy="0"/>
+        </a:xfrm>
+      </p:grpSpPr>
+      <p:sp>
+        <p:nvSpPr>
+          <p:cNvPr id="2" name="Title 1"/>
+          <p:cNvSpPr>
+            <a:spLocks noGrp="1"/>
+          </p:cNvSpPr>
+          <p:nvPr>
+            <p:ph type="ctrTitle"/>
+          </p:nvPr>
+        </p:nvSpPr>
+        <p:spPr>
+          <a:xfrm>
+            <a:off x="685800" y="1395412"/>
+            <a:ext cx="7772400" cy="1470025"/>
+          </a:xfrm>
+          <a:effectLst>
+            <a:glow rad="139700">
+              <a:schemeClr val="accent5">
+                <a:satMod val="175000"/>
+                <a:alpha val="40000"/>
+              </a:schemeClr>
+            </a:glow>
+          </a:effectLst>
+        </p:spPr>
+        <p:txBody>
+          <a:bodyPr>
+            <a:noAutofit/>
+          </a:bodyPr>
+          <a:lstStyle/>
+          <a:p>
+            <a:r>
+              <a:rPr lang="fr-CA" sz="9600" dirty="0" err="1" smtClean="0">
+                <a:solidFill>
+                  <a:srgbClr val="4DC7E9"/>
+                </a:solidFill>
+                <a:effectLst/>
+                <a:latin typeface="Heiti TC Light"/>
+                <a:cs typeface="Heiti TC Light"/>
+              </a:rPr>
+              <a:t>Than</a:t>
+            </a:r>
+            <a:r>
+              <a:rPr lang="fr-CA" sz="9600" dirty="0" err="1" smtClean="0">
+                <a:solidFill>
+                  <a:srgbClr val="4DC7E9"/>
+                </a:solidFill>
+                <a:latin typeface="Heiti TC Light"/>
+                <a:cs typeface="Heiti TC Light"/>
+              </a:rPr>
+              <a:t>k</a:t>
+            </a:r>
+            <a:r>
+              <a:rPr lang="fr-CA" sz="9600" dirty="0" smtClean="0">
+                <a:solidFill>
+                  <a:srgbClr val="4DC7E9"/>
+                </a:solidFill>
+                <a:latin typeface="Heiti TC Light"/>
+                <a:cs typeface="Heiti TC Light"/>
+              </a:rPr>
+              <a:t> </a:t>
+            </a:r>
+            <a:r>
+              <a:rPr lang="fr-CA" sz="9600" dirty="0" err="1" smtClean="0">
+                <a:solidFill>
+                  <a:srgbClr val="4DC7E9"/>
+                </a:solidFill>
+                <a:latin typeface="Heiti TC Light"/>
+                <a:cs typeface="Heiti TC Light"/>
+              </a:rPr>
+              <a:t>you</a:t>
+            </a:r>
+            <a:r>
+              <a:rPr lang="fr-CA" sz="9600" dirty="0" smtClean="0">
+                <a:solidFill>
+                  <a:srgbClr val="4DC7E9"/>
+                </a:solidFill>
+                <a:latin typeface="Heiti TC Light"/>
+                <a:cs typeface="Heiti TC Light"/>
+              </a:rPr>
+              <a:t>!</a:t>
+            </a:r>
+            <a:endParaRPr lang="fr-CA" sz="9600" dirty="0">
+              <a:solidFill>
+                <a:srgbClr val="4DC7E9"/>
+              </a:solidFill>
+              <a:effectLst/>
+              <a:latin typeface="Heiti TC Light"/>
+              <a:cs typeface="Heiti TC Light"/>
+            </a:endParaRPr>
+          </a:p>
+        </p:txBody>
+      </p:sp>
+      <p:sp>
+        <p:nvSpPr>
+          <p:cNvPr id="4" name="TextBox 3"/>
+          <p:cNvSpPr txBox="1"/>
+          <p:nvPr/>
+        </p:nvSpPr>
+        <p:spPr>
+          <a:xfrm>
+            <a:off x="441756" y="4229747"/>
+            <a:ext cx="8702244" cy="369332"/>
+          </a:xfrm>
+          <a:prstGeom prst="rect">
+            <a:avLst/>
+          </a:prstGeom>
+          <a:noFill/>
+        </p:spPr>
+        <p:txBody>
+          <a:bodyPr wrap="square" rtlCol="0">
+            <a:spAutoFit/>
+          </a:bodyPr>
+          <a:lstStyle/>
+          <a:p>
+            <a:r>
+              <a:rPr lang="fr-CA" dirty="0" smtClean="0">
+                <a:latin typeface="Heiti TC Medium"/>
+                <a:cs typeface="Heiti TC Medium"/>
+              </a:rPr>
+              <a:t>Team # 33</a:t>
+            </a:r>
+            <a:endParaRPr lang="fr-CA" dirty="0">
+              <a:latin typeface="Heiti TC Medium"/>
+              <a:cs typeface="Heiti TC Medium"/>
+            </a:endParaRPr>
+          </a:p>
+        </p:txBody>
+      </p:sp>
+      <p:sp>
+        <p:nvSpPr>
+          <p:cNvPr id="5" name="TextBox 4"/>
+          <p:cNvSpPr txBox="1"/>
+          <p:nvPr/>
+        </p:nvSpPr>
+        <p:spPr>
+          <a:xfrm>
+            <a:off x="441756" y="4708292"/>
+            <a:ext cx="8702244" cy="1754327"/>
+          </a:xfrm>
+          <a:prstGeom prst="rect">
+            <a:avLst/>
+          </a:prstGeom>
+          <a:noFill/>
+        </p:spPr>
+        <p:txBody>
+          <a:bodyPr wrap="square" rtlCol="0">
+            <a:spAutoFit/>
+          </a:bodyPr>
+          <a:lstStyle/>
+          <a:p>
+            <a:r>
+              <a:rPr lang="fr-CA" b="1" dirty="0" smtClean="0">
+                <a:latin typeface="Heiti TC Light"/>
+                <a:cs typeface="Heiti TC Light"/>
+              </a:rPr>
+              <a:t>Jeremy </a:t>
+            </a:r>
+            <a:r>
+              <a:rPr lang="fr-CA" b="1" dirty="0" err="1" smtClean="0">
+                <a:latin typeface="Heiti TC Light"/>
+                <a:cs typeface="Heiti TC Light"/>
+              </a:rPr>
+              <a:t>Schembri</a:t>
+            </a:r>
+            <a:endParaRPr lang="fr-CA" b="1" dirty="0" smtClean="0">
+              <a:latin typeface="Heiti TC Light"/>
+              <a:cs typeface="Heiti TC Light"/>
+            </a:endParaRPr>
+          </a:p>
+          <a:p>
+            <a:r>
+              <a:rPr lang="fr-CA" b="1" dirty="0" smtClean="0">
+                <a:latin typeface="Heiti TC Light"/>
+                <a:cs typeface="Heiti TC Light"/>
+              </a:rPr>
+              <a:t>Alexandre Gagnon</a:t>
+            </a:r>
+          </a:p>
+          <a:p>
+            <a:r>
+              <a:rPr lang="fr-CA" b="1" dirty="0">
+                <a:latin typeface="Heiti TC Light"/>
+                <a:cs typeface="Heiti TC Light"/>
+              </a:rPr>
+              <a:t>Imran </a:t>
+            </a:r>
+            <a:r>
+              <a:rPr lang="fr-CA" b="1" dirty="0" err="1" smtClean="0">
+                <a:latin typeface="Heiti TC Light"/>
+                <a:cs typeface="Heiti TC Light"/>
+              </a:rPr>
+              <a:t>Jameel</a:t>
+            </a:r>
+            <a:endParaRPr lang="fr-CA" b="1" dirty="0" smtClean="0">
+              <a:latin typeface="Heiti TC Light"/>
+              <a:cs typeface="Heiti TC Light"/>
+            </a:endParaRPr>
+          </a:p>
+          <a:p>
+            <a:r>
+              <a:rPr lang="fr-CA" b="1" dirty="0" smtClean="0">
+                <a:latin typeface="Heiti TC Light"/>
+                <a:cs typeface="Heiti TC Light"/>
+              </a:rPr>
+              <a:t>Brian </a:t>
+            </a:r>
+            <a:r>
+              <a:rPr lang="fr-CA" b="1" dirty="0" smtClean="0">
+                <a:latin typeface="Heiti TC Light"/>
+                <a:cs typeface="Heiti TC Light"/>
+              </a:rPr>
+              <a:t>Zhu</a:t>
+            </a:r>
+          </a:p>
+          <a:p>
+            <a:r>
+              <a:rPr lang="fr-CA" b="1" dirty="0" smtClean="0">
+                <a:latin typeface="Heiti TC Light"/>
+                <a:cs typeface="Heiti TC Light"/>
+              </a:rPr>
+              <a:t>Victor </a:t>
+            </a:r>
+            <a:r>
+              <a:rPr lang="fr-CA" b="1" dirty="0" err="1" smtClean="0">
+                <a:latin typeface="Heiti TC Light"/>
+                <a:cs typeface="Heiti TC Light"/>
+              </a:rPr>
+              <a:t>Dyotte</a:t>
+            </a:r>
+            <a:endParaRPr lang="fr-CA" b="1" dirty="0" smtClean="0">
+              <a:latin typeface="Heiti TC Light"/>
+              <a:cs typeface="Heiti TC Light"/>
+            </a:endParaRPr>
+          </a:p>
+          <a:p>
+            <a:r>
+              <a:rPr lang="fr-CA" b="1" dirty="0" smtClean="0">
+                <a:latin typeface="Heiti TC Light"/>
+                <a:cs typeface="Heiti TC Light"/>
+              </a:rPr>
+              <a:t>Lucie Bélanger</a:t>
+            </a:r>
+            <a:endParaRPr lang="fr-CA" b="1" dirty="0">
+              <a:latin typeface="Heiti TC Light"/>
+              <a:cs typeface="Heiti TC Light"/>
+            </a:endParaRPr>
+          </a:p>
+        </p:txBody>
+      </p:sp>
+    </p:spTree>
+    <p:extLst>
+      <p:ext uri="{BB962C8B-B14F-4D97-AF65-F5344CB8AC3E}">
+        <p14:creationId xmlns:p14="http://schemas.microsoft.com/office/powerpoint/2010/main" val="4178679658"/>
+      </p:ext>
+    </p:extLst>
+  </p:cSld>
+  <p:clrMapOvr>
+    <a:masterClrMapping/>
+  </p:clrMapOvr>
+</p:sld>
+</file>
+
+<file path=ppt/slides/slide7.xml><?xml version="1.0" encoding="utf-8"?>
 <p:sld xmlns:a="http://schemas.openxmlformats.org/drawingml/2006/main" xmlns:r="http://schemas.openxmlformats.org/officeDocument/2006/relationships" xmlns:p="http://schemas.openxmlformats.org/presentationml/2006/main">
   <p:cSld>
     <p:spTree>

--- a/Presentation/MyoMusicPresentation.pptx
+++ b/Presentation/MyoMusicPresentation.pptx
@@ -8,10 +8,9 @@
     <p:sldId id="256" r:id="rId2"/>
     <p:sldId id="258" r:id="rId3"/>
     <p:sldId id="260" r:id="rId4"/>
-    <p:sldId id="262" r:id="rId5"/>
-    <p:sldId id="259" r:id="rId6"/>
+    <p:sldId id="265" r:id="rId5"/>
+    <p:sldId id="264" r:id="rId6"/>
     <p:sldId id="263" r:id="rId7"/>
-    <p:sldId id="261" r:id="rId8"/>
   </p:sldIdLst>
   <p:sldSz cx="9144000" cy="6858000" type="screen4x3"/>
   <p:notesSz cx="6858000" cy="9144000"/>
@@ -3140,30 +3139,29 @@
                 <a:solidFill>
                   <a:srgbClr val="4DC7E9"/>
                 </a:solidFill>
-                <a:effectLst/>
-                <a:latin typeface="Heiti TC Light"/>
-                <a:cs typeface="Heiti TC Light"/>
+                <a:latin typeface="Century Gothic"/>
+                <a:cs typeface="Century Gothic"/>
               </a:rPr>
-              <a:t>Myo</a:t>
-            </a:r>
-            <a:r>
-              <a:rPr lang="fr-CA" sz="9600" dirty="0" smtClean="0">
+              <a:t>M</a:t>
+            </a:r>
+            <a:r>
+              <a:rPr lang="fr-CA" sz="9600" dirty="0" err="1" smtClean="0">
                 <a:solidFill>
                   <a:srgbClr val="4DC7E9"/>
                 </a:solidFill>
                 <a:effectLst/>
-                <a:latin typeface="Heiti TC Light"/>
-                <a:cs typeface="Heiti TC Light"/>
+                <a:latin typeface="Century Gothic"/>
+                <a:cs typeface="Century Gothic"/>
               </a:rPr>
-              <a:t> Music</a:t>
+              <a:t>yoMusic</a:t>
             </a:r>
             <a:endParaRPr lang="fr-CA" sz="9600" dirty="0">
               <a:solidFill>
                 <a:srgbClr val="4DC7E9"/>
               </a:solidFill>
               <a:effectLst/>
-              <a:latin typeface="Heiti TC Light"/>
-              <a:cs typeface="Heiti TC Light"/>
+              <a:latin typeface="Century Gothic"/>
+              <a:cs typeface="Century Gothic"/>
             </a:endParaRPr>
           </a:p>
         </p:txBody>
@@ -3192,14 +3190,14 @@
           <a:p>
             <a:r>
               <a:rPr lang="fr-CA" dirty="0" smtClean="0">
-                <a:latin typeface="Heiti TC Medium"/>
-                <a:cs typeface="Heiti TC Medium"/>
+                <a:latin typeface="Century Gothic"/>
+                <a:cs typeface="Century Gothic"/>
               </a:rPr>
               <a:t>Team # 33</a:t>
             </a:r>
             <a:endParaRPr lang="fr-CA" dirty="0">
-              <a:latin typeface="Heiti TC Medium"/>
-              <a:cs typeface="Heiti TC Medium"/>
+              <a:latin typeface="Century Gothic"/>
+              <a:cs typeface="Century Gothic"/>
             </a:endParaRPr>
           </a:p>
         </p:txBody>
@@ -3227,104 +3225,133 @@
           <a:lstStyle/>
           <a:p>
             <a:r>
-              <a:rPr lang="fr-CA" b="1" dirty="0" smtClean="0">
-                <a:latin typeface="Heiti TC Light"/>
-                <a:cs typeface="Heiti TC Light"/>
+              <a:rPr lang="fr-CA" dirty="0" smtClean="0">
+                <a:latin typeface="Century Gothic"/>
+                <a:cs typeface="Century Gothic"/>
               </a:rPr>
               <a:t>Jeremy </a:t>
             </a:r>
             <a:r>
-              <a:rPr lang="fr-CA" b="1" dirty="0" err="1" smtClean="0">
-                <a:latin typeface="Heiti TC Light"/>
-                <a:cs typeface="Heiti TC Light"/>
+              <a:rPr lang="fr-CA" dirty="0" err="1" smtClean="0">
+                <a:latin typeface="Century Gothic"/>
+                <a:cs typeface="Century Gothic"/>
               </a:rPr>
               <a:t>Schembri</a:t>
             </a:r>
-            <a:endParaRPr lang="fr-CA" b="1" dirty="0" smtClean="0">
-              <a:latin typeface="Heiti TC Light"/>
-              <a:cs typeface="Heiti TC Light"/>
+            <a:endParaRPr lang="fr-CA" dirty="0" smtClean="0">
+              <a:latin typeface="Century Gothic"/>
+              <a:cs typeface="Century Gothic"/>
             </a:endParaRPr>
           </a:p>
           <a:p>
             <a:r>
-              <a:rPr lang="fr-CA" b="1" dirty="0" smtClean="0">
-                <a:latin typeface="Heiti TC Light"/>
-                <a:cs typeface="Heiti TC Light"/>
+              <a:rPr lang="fr-CA" dirty="0" smtClean="0">
+                <a:latin typeface="Century Gothic"/>
+                <a:cs typeface="Century Gothic"/>
               </a:rPr>
               <a:t>Alexandre Gagnon</a:t>
             </a:r>
           </a:p>
           <a:p>
             <a:r>
-              <a:rPr lang="fr-CA" b="1" dirty="0">
-                <a:latin typeface="Heiti TC Light"/>
-                <a:cs typeface="Heiti TC Light"/>
+              <a:rPr lang="fr-CA" dirty="0">
+                <a:latin typeface="Century Gothic"/>
+                <a:cs typeface="Century Gothic"/>
               </a:rPr>
               <a:t>Imran </a:t>
             </a:r>
             <a:r>
-              <a:rPr lang="fr-CA" b="1" dirty="0" err="1" smtClean="0">
-                <a:latin typeface="Heiti TC Light"/>
-                <a:cs typeface="Heiti TC Light"/>
+              <a:rPr lang="fr-CA" dirty="0" err="1" smtClean="0">
+                <a:latin typeface="Century Gothic"/>
+                <a:cs typeface="Century Gothic"/>
               </a:rPr>
               <a:t>Jameel</a:t>
             </a:r>
-            <a:endParaRPr lang="fr-CA" b="1" dirty="0" smtClean="0">
-              <a:latin typeface="Heiti TC Light"/>
-              <a:cs typeface="Heiti TC Light"/>
+            <a:endParaRPr lang="fr-CA" dirty="0" smtClean="0">
+              <a:latin typeface="Century Gothic"/>
+              <a:cs typeface="Century Gothic"/>
             </a:endParaRPr>
           </a:p>
           <a:p>
             <a:r>
-              <a:rPr lang="fr-CA" b="1" dirty="0" smtClean="0">
-                <a:latin typeface="Heiti TC Light"/>
-                <a:cs typeface="Heiti TC Light"/>
+              <a:rPr lang="fr-CA" dirty="0" smtClean="0">
+                <a:latin typeface="Century Gothic"/>
+                <a:cs typeface="Century Gothic"/>
               </a:rPr>
               <a:t>Brian </a:t>
             </a:r>
             <a:r>
-              <a:rPr lang="fr-CA" b="1" dirty="0">
-                <a:latin typeface="Heiti TC Light"/>
-                <a:cs typeface="Heiti TC Light"/>
+              <a:rPr lang="fr-CA" dirty="0">
+                <a:latin typeface="Century Gothic"/>
+                <a:cs typeface="Century Gothic"/>
               </a:rPr>
               <a:t>Zhu</a:t>
             </a:r>
           </a:p>
           <a:p>
             <a:r>
-              <a:rPr lang="fr-CA" b="1" dirty="0">
-                <a:latin typeface="Heiti TC Light"/>
-                <a:cs typeface="Heiti TC Light"/>
+              <a:rPr lang="fr-CA" dirty="0">
+                <a:latin typeface="Century Gothic"/>
+                <a:cs typeface="Century Gothic"/>
               </a:rPr>
               <a:t>Victor </a:t>
             </a:r>
             <a:r>
-              <a:rPr lang="fr-CA" b="1" dirty="0" err="1" smtClean="0">
-                <a:latin typeface="Heiti TC Light"/>
-                <a:cs typeface="Heiti TC Light"/>
+              <a:rPr lang="fr-CA" dirty="0" err="1" smtClean="0">
+                <a:latin typeface="Century Gothic"/>
+                <a:cs typeface="Century Gothic"/>
               </a:rPr>
               <a:t>Dyotte</a:t>
             </a:r>
-            <a:endParaRPr lang="fr-CA" b="1" dirty="0" smtClean="0">
-              <a:latin typeface="Heiti TC Light"/>
-              <a:cs typeface="Heiti TC Light"/>
+            <a:endParaRPr lang="fr-CA" dirty="0" smtClean="0">
+              <a:latin typeface="Century Gothic"/>
+              <a:cs typeface="Century Gothic"/>
             </a:endParaRPr>
           </a:p>
           <a:p>
             <a:r>
-              <a:rPr lang="fr-CA" b="1" dirty="0" smtClean="0">
-                <a:latin typeface="Heiti TC Light"/>
-                <a:cs typeface="Heiti TC Light"/>
+              <a:rPr lang="fr-CA" dirty="0" smtClean="0">
+                <a:latin typeface="Century Gothic"/>
+                <a:cs typeface="Century Gothic"/>
               </a:rPr>
               <a:t>Lucie Bélanger</a:t>
             </a:r>
-            <a:endParaRPr lang="fr-CA" b="1" dirty="0">
-              <a:latin typeface="Heiti TC Light"/>
-              <a:cs typeface="Heiti TC Light"/>
+            <a:endParaRPr lang="fr-CA" dirty="0">
+              <a:latin typeface="Century Gothic"/>
+              <a:cs typeface="Century Gothic"/>
             </a:endParaRPr>
           </a:p>
         </p:txBody>
       </p:sp>
+      <p:pic>
+        <p:nvPicPr>
+          <p:cNvPr id="3" name="Picture 2" descr="wearhacks.jpeg"/>
+          <p:cNvPicPr>
+            <a:picLocks noChangeAspect="1"/>
+          </p:cNvPicPr>
+          <p:nvPr/>
+        </p:nvPicPr>
+        <p:blipFill rotWithShape="1">
+          <a:blip r:embed="rId2">
+            <a:extLst>
+              <a:ext uri="{28A0092B-C50C-407E-A947-70E740481C1C}">
+                <a14:useLocalDpi xmlns:a14="http://schemas.microsoft.com/office/drawing/2010/main" val="0"/>
+              </a:ext>
+            </a:extLst>
+          </a:blip>
+          <a:srcRect l="21159" t="21039" r="17970" b="23888"/>
+          <a:stretch/>
+        </p:blipFill>
+        <p:spPr>
+          <a:xfrm>
+            <a:off x="7854511" y="5611425"/>
+            <a:ext cx="940793" cy="851194"/>
+          </a:xfrm>
+          <a:prstGeom prst="rect">
+            <a:avLst/>
+          </a:prstGeom>
+        </p:spPr>
+      </p:pic>
     </p:spTree>
     <p:extLst>
       <p:ext uri="{BB962C8B-B14F-4D97-AF65-F5344CB8AC3E}">
@@ -3418,7 +3445,7 @@
         </p:blipFill>
         <p:spPr>
           <a:xfrm>
-            <a:off x="-1512711" y="913211"/>
+            <a:off x="-1512711" y="113536"/>
             <a:ext cx="12192000" cy="6858000"/>
           </a:xfrm>
           <a:prstGeom prst="rect">
@@ -3436,7 +3463,7 @@
         </p:nvSpPr>
         <p:spPr>
           <a:xfrm>
-            <a:off x="814237" y="487968"/>
+            <a:off x="814237" y="193826"/>
             <a:ext cx="7772400" cy="850485"/>
           </a:xfrm>
           <a:prstGeom prst="rect">
@@ -3472,72 +3499,6 @@
             </a:lvl1pPr>
           </a:lstStyle>
           <a:p>
-            <a:r>
-              <a:rPr lang="fr-CA" sz="4000" dirty="0" smtClean="0">
-                <a:solidFill>
-                  <a:srgbClr val="4DC7E9"/>
-                </a:solidFill>
-                <a:effectLst/>
-                <a:latin typeface="Heiti TC Light"/>
-                <a:cs typeface="Heiti TC Light"/>
-              </a:rPr>
-              <a:t>Start </a:t>
-            </a:r>
-            <a:r>
-              <a:rPr lang="fr-CA" sz="4000" dirty="0" err="1" smtClean="0">
-                <a:solidFill>
-                  <a:srgbClr val="4DC7E9"/>
-                </a:solidFill>
-                <a:effectLst/>
-                <a:latin typeface="Heiti TC Light"/>
-                <a:cs typeface="Heiti TC Light"/>
-              </a:rPr>
-              <a:t>with</a:t>
-            </a:r>
-            <a:r>
-              <a:rPr lang="fr-CA" sz="4000" dirty="0" smtClean="0">
-                <a:solidFill>
-                  <a:srgbClr val="4DC7E9"/>
-                </a:solidFill>
-                <a:effectLst/>
-                <a:latin typeface="Heiti TC Light"/>
-                <a:cs typeface="Heiti TC Light"/>
-              </a:rPr>
-              <a:t> a </a:t>
-            </a:r>
-            <a:r>
-              <a:rPr lang="fr-CA" sz="4000" dirty="0" err="1" smtClean="0">
-                <a:solidFill>
-                  <a:srgbClr val="4DC7E9"/>
-                </a:solidFill>
-                <a:effectLst/>
-                <a:latin typeface="Heiti TC Light"/>
-                <a:cs typeface="Heiti TC Light"/>
-              </a:rPr>
-              <a:t>great</a:t>
-            </a:r>
-            <a:r>
-              <a:rPr lang="fr-CA" sz="4000" dirty="0" smtClean="0">
-                <a:solidFill>
-                  <a:srgbClr val="4DC7E9"/>
-                </a:solidFill>
-                <a:effectLst/>
-                <a:latin typeface="Heiti TC Light"/>
-                <a:cs typeface="Heiti TC Light"/>
-              </a:rPr>
-              <a:t> </a:t>
-            </a:r>
-            <a:r>
-              <a:rPr lang="fr-CA" sz="4000" dirty="0" err="1" smtClean="0">
-                <a:solidFill>
-                  <a:srgbClr val="4DC7E9"/>
-                </a:solidFill>
-                <a:effectLst/>
-                <a:latin typeface="Heiti TC Light"/>
-                <a:cs typeface="Heiti TC Light"/>
-              </a:rPr>
-              <a:t>device</a:t>
-            </a:r>
             <a:endParaRPr lang="fr-CA" sz="4000" dirty="0">
               <a:solidFill>
                 <a:srgbClr val="4DC7E9"/>
@@ -3619,7 +3580,7 @@
         </p:nvSpPr>
         <p:spPr>
           <a:xfrm>
-            <a:off x="814237" y="487968"/>
+            <a:off x="1190501" y="5730719"/>
             <a:ext cx="7772400" cy="850485"/>
           </a:xfrm>
           <a:prstGeom prst="rect">
@@ -3655,57 +3616,6 @@
             </a:lvl1pPr>
           </a:lstStyle>
           <a:p>
-            <a:r>
-              <a:rPr lang="fr-CA" sz="4000" dirty="0" err="1" smtClean="0">
-                <a:solidFill>
-                  <a:srgbClr val="4DC7E9"/>
-                </a:solidFill>
-                <a:effectLst>
-                  <a:glow rad="1905000">
-                    <a:schemeClr val="bg1">
-                      <a:alpha val="50000"/>
-                    </a:schemeClr>
-                  </a:glow>
-                </a:effectLst>
-                <a:latin typeface="Heiti TC Light"/>
-                <a:cs typeface="Heiti TC Light"/>
-              </a:rPr>
-              <a:t>Figureout</a:t>
-            </a:r>
-            <a:r>
-              <a:rPr lang="fr-CA" sz="4000" dirty="0" smtClean="0">
-                <a:solidFill>
-                  <a:srgbClr val="4DC7E9"/>
-                </a:solidFill>
-                <a:effectLst>
-                  <a:glow rad="1905000">
-                    <a:schemeClr val="bg1">
-                      <a:alpha val="50000"/>
-                    </a:schemeClr>
-                  </a:glow>
-                </a:effectLst>
-                <a:latin typeface="Heiti TC Light"/>
-                <a:cs typeface="Heiti TC Light"/>
-              </a:rPr>
-              <a:t> how to use </a:t>
-            </a:r>
-            <a:r>
-              <a:rPr lang="fr-CA" sz="4000" dirty="0" err="1" smtClean="0">
-                <a:solidFill>
-                  <a:srgbClr val="4DC7E9"/>
-                </a:solidFill>
-                <a:effectLst>
-                  <a:glow rad="1905000">
-                    <a:schemeClr val="bg1">
-                      <a:alpha val="50000"/>
-                    </a:schemeClr>
-                  </a:glow>
-                </a:effectLst>
-                <a:latin typeface="Heiti TC Light"/>
-                <a:cs typeface="Heiti TC Light"/>
-              </a:rPr>
-              <a:t>it</a:t>
-            </a:r>
             <a:endParaRPr lang="fr-CA" sz="4000" dirty="0">
               <a:solidFill>
                 <a:srgbClr val="4DC7E9"/>
@@ -3753,177 +3663,199 @@
           <a:chExt cx="0" cy="0"/>
         </a:xfrm>
       </p:grpSpPr>
-      <p:pic>
-        <p:nvPicPr>
-          <p:cNvPr id="3" name="Picture 2"/>
-          <p:cNvPicPr>
-            <a:picLocks noChangeAspect="1"/>
-          </p:cNvPicPr>
+      <p:sp>
+        <p:nvSpPr>
+          <p:cNvPr id="2" name="TextBox 1"/>
+          <p:cNvSpPr txBox="1"/>
           <p:nvPr/>
-        </p:nvPicPr>
-        <p:blipFill>
-          <a:blip r:embed="rId2">
-            <a:extLst>
-              <a:ext uri="{28A0092B-C50C-407E-A947-70E740481C1C}">
-                <a14:useLocalDpi xmlns:a14="http://schemas.microsoft.com/office/drawing/2010/main" val="0"/>
-              </a:ext>
-            </a:extLst>
-          </a:blip>
-          <a:stretch>
-            <a:fillRect/>
-          </a:stretch>
-        </p:blipFill>
+        </p:nvSpPr>
         <p:spPr>
           <a:xfrm>
-            <a:off x="0" y="487968"/>
-            <a:ext cx="9144000" cy="6993731"/>
+            <a:off x="329230" y="231744"/>
+            <a:ext cx="8450265" cy="1261884"/>
           </a:xfrm>
           <a:prstGeom prst="rect">
             <a:avLst/>
           </a:prstGeom>
+          <a:noFill/>
         </p:spPr>
-      </p:pic>
-      <p:sp>
-        <p:nvSpPr>
-          <p:cNvPr id="4" name="Title 1"/>
-          <p:cNvSpPr txBox="1">
-            <a:spLocks/>
-          </p:cNvSpPr>
+        <p:txBody>
+          <a:bodyPr wrap="square" rtlCol="0">
+            <a:spAutoFit/>
+          </a:bodyPr>
+          <a:lstStyle/>
+          <a:p>
+            <a:r>
+              <a:rPr lang="en-US" sz="4000" dirty="0" smtClean="0"/>
+              <a:t>Problem</a:t>
+            </a:r>
+          </a:p>
+          <a:p>
+            <a:endParaRPr lang="en-US" sz="3600" dirty="0">
+              <a:solidFill>
+                <a:srgbClr val="4DC7E9"/>
+              </a:solidFill>
+            </a:endParaRPr>
+          </a:p>
+        </p:txBody>
+      </p:sp>
+      <p:sp>
+        <p:nvSpPr>
+          <p:cNvPr id="3" name="TextBox 2"/>
+          <p:cNvSpPr txBox="1"/>
           <p:nvPr/>
         </p:nvSpPr>
         <p:spPr>
           <a:xfrm>
-            <a:off x="814237" y="487968"/>
-            <a:ext cx="7772400" cy="850485"/>
+            <a:off x="438975" y="1175993"/>
+            <a:ext cx="8340520" cy="4801315"/>
           </a:xfrm>
           <a:prstGeom prst="rect">
             <a:avLst/>
           </a:prstGeom>
-          <a:effectLst>
-            <a:glow rad="139700">
-              <a:schemeClr val="accent5">
-                <a:satMod val="175000"/>
-                <a:alpha val="40000"/>
-              </a:schemeClr>
-            </a:glow>
-          </a:effectLst>
+          <a:noFill/>
         </p:spPr>
         <p:txBody>
-          <a:bodyPr>
-            <a:noAutofit/>
+          <a:bodyPr wrap="square" rtlCol="0">
+            <a:spAutoFit/>
           </a:bodyPr>
-          <a:lstStyle>
-            <a:lvl1pPr algn="ctr" defTabSz="914400" rtl="0" eaLnBrk="1" latinLnBrk="0" hangingPunct="1">
-              <a:spcBef>
-                <a:spcPct val="0"/>
-              </a:spcBef>
-              <a:buNone/>
-              <a:defRPr sz="4400" kern="1200">
-                <a:solidFill>
-                  <a:schemeClr val="tx1"/>
-                </a:solidFill>
-                <a:latin typeface="+mj-lt"/>
-                <a:ea typeface="+mj-ea"/>
-                <a:cs typeface="+mj-cs"/>
-              </a:defRPr>
-            </a:lvl1pPr>
-          </a:lstStyle>
-          <a:p>
-            <a:r>
-              <a:rPr lang="fr-CA" sz="4000" dirty="0" smtClean="0">
+          <a:lstStyle/>
+          <a:p>
+            <a:pPr marL="285750" indent="-285750">
+              <a:buFont typeface="Arial"/>
+              <a:buChar char="•"/>
+            </a:pPr>
+            <a:r>
+              <a:rPr lang="en-US" sz="3600" dirty="0">
                 <a:solidFill>
                   <a:srgbClr val="4DC7E9"/>
                 </a:solidFill>
-                <a:effectLst/>
-                <a:latin typeface="Heiti TC Light"/>
-                <a:cs typeface="Heiti TC Light"/>
+                <a:latin typeface="Arial Hebrew Light"/>
+                <a:cs typeface="Arial Hebrew Light"/>
               </a:rPr>
-              <a:t>Plug </a:t>
-            </a:r>
-            <a:r>
-              <a:rPr lang="fr-CA" sz="4000" dirty="0" err="1" smtClean="0">
+              <a:t>G</a:t>
+            </a:r>
+            <a:r>
+              <a:rPr lang="en-US" sz="3600" dirty="0" smtClean="0">
                 <a:solidFill>
                   <a:srgbClr val="4DC7E9"/>
                 </a:solidFill>
-                <a:effectLst/>
-                <a:latin typeface="Heiti TC Light"/>
-                <a:cs typeface="Heiti TC Light"/>
+                <a:latin typeface="Arial Hebrew Light"/>
+                <a:cs typeface="Arial Hebrew Light"/>
               </a:rPr>
-              <a:t>it</a:t>
-            </a:r>
-            <a:r>
-              <a:rPr lang="fr-CA" sz="4000" dirty="0" smtClean="0">
+              <a:t>rowing electronic music industry</a:t>
+            </a:r>
+          </a:p>
+          <a:p>
+            <a:endParaRPr lang="en-US" sz="3600" dirty="0" smtClean="0">
+              <a:solidFill>
+                <a:srgbClr val="4DC7E9"/>
+              </a:solidFill>
+              <a:latin typeface="Arial Hebrew Light"/>
+              <a:cs typeface="Arial Hebrew Light"/>
+            </a:endParaRPr>
+          </a:p>
+          <a:p>
+            <a:pPr marL="285750" indent="-285750">
+              <a:buFont typeface="Arial"/>
+              <a:buChar char="•"/>
+            </a:pPr>
+            <a:r>
+              <a:rPr lang="en-US" sz="3600" dirty="0" smtClean="0">
                 <a:solidFill>
                   <a:srgbClr val="4DC7E9"/>
                 </a:solidFill>
-                <a:effectLst/>
-                <a:latin typeface="Heiti TC Light"/>
-                <a:cs typeface="Heiti TC Light"/>
+                <a:latin typeface="Arial Hebrew Light"/>
+                <a:cs typeface="Arial Hebrew Light"/>
               </a:rPr>
-              <a:t> </a:t>
-            </a:r>
-            <a:r>
-              <a:rPr lang="fr-CA" sz="4000" dirty="0" err="1" smtClean="0">
+              <a:t>DJ occupation more competitive</a:t>
+            </a:r>
+          </a:p>
+          <a:p>
+            <a:endParaRPr lang="en-US" sz="3600" dirty="0" smtClean="0">
+              <a:solidFill>
+                <a:srgbClr val="4DC7E9"/>
+              </a:solidFill>
+              <a:latin typeface="Arial Hebrew Light"/>
+              <a:cs typeface="Arial Hebrew Light"/>
+            </a:endParaRPr>
+          </a:p>
+          <a:p>
+            <a:pPr marL="285750" indent="-285750">
+              <a:buFont typeface="Arial"/>
+              <a:buChar char="•"/>
+            </a:pPr>
+            <a:r>
+              <a:rPr lang="en-US" sz="3600" dirty="0">
                 <a:solidFill>
                   <a:srgbClr val="4DC7E9"/>
                 </a:solidFill>
-                <a:effectLst/>
-                <a:latin typeface="Heiti TC Light"/>
-                <a:cs typeface="Heiti TC Light"/>
+                <a:latin typeface="Arial Hebrew Light"/>
+                <a:cs typeface="Arial Hebrew Light"/>
               </a:rPr>
-              <a:t>into</a:t>
-            </a:r>
-            <a:r>
-              <a:rPr lang="fr-CA" sz="4000" dirty="0" smtClean="0">
+              <a:t>D</a:t>
+            </a:r>
+            <a:r>
+              <a:rPr lang="en-US" sz="3600" dirty="0" smtClean="0">
                 <a:solidFill>
                   <a:srgbClr val="4DC7E9"/>
                 </a:solidFill>
-                <a:effectLst/>
-                <a:latin typeface="Heiti TC Light"/>
-                <a:cs typeface="Heiti TC Light"/>
+                <a:latin typeface="Arial Hebrew Light"/>
+                <a:cs typeface="Arial Hebrew Light"/>
               </a:rPr>
-              <a:t> </a:t>
-            </a:r>
-            <a:r>
-              <a:rPr lang="fr-CA" sz="4000" dirty="0" err="1" smtClean="0">
+              <a:t>ifferentiate oneself from another</a:t>
+            </a:r>
+          </a:p>
+          <a:p>
+            <a:pPr marL="285750" indent="-285750">
+              <a:buFont typeface="Arial"/>
+              <a:buChar char="•"/>
+            </a:pPr>
+            <a:endParaRPr lang="en-US" sz="3600" dirty="0">
+              <a:solidFill>
+                <a:srgbClr val="4DC7E9"/>
+              </a:solidFill>
+              <a:latin typeface="Arial Hebrew Light"/>
+              <a:cs typeface="Arial Hebrew Light"/>
+            </a:endParaRPr>
+          </a:p>
+          <a:p>
+            <a:pPr marL="285750" indent="-285750">
+              <a:buFont typeface="Arial"/>
+              <a:buChar char="•"/>
+            </a:pPr>
+            <a:r>
+              <a:rPr lang="en-US" sz="3600" dirty="0" smtClean="0">
                 <a:solidFill>
                   <a:srgbClr val="4DC7E9"/>
                 </a:solidFill>
-                <a:effectLst/>
-                <a:latin typeface="Heiti TC Light"/>
-                <a:cs typeface="Heiti TC Light"/>
+                <a:latin typeface="Arial Hebrew Light"/>
+                <a:cs typeface="Arial Hebrew Light"/>
               </a:rPr>
-              <a:t>your</a:t>
-            </a:r>
-            <a:r>
-              <a:rPr lang="fr-CA" sz="4000" dirty="0" smtClean="0">
-                <a:solidFill>
-                  <a:srgbClr val="4DC7E9"/>
-                </a:solidFill>
-                <a:effectLst/>
-                <a:latin typeface="Heiti TC Light"/>
-                <a:cs typeface="Heiti TC Light"/>
-              </a:rPr>
-              <a:t> favorite </a:t>
-            </a:r>
-            <a:r>
-              <a:rPr lang="fr-CA" sz="4000" dirty="0" err="1" smtClean="0">
-                <a:solidFill>
-                  <a:srgbClr val="4DC7E9"/>
-                </a:solidFill>
-                <a:effectLst/>
-                <a:latin typeface="Heiti TC Light"/>
-                <a:cs typeface="Heiti TC Light"/>
-              </a:rPr>
-              <a:t>synth</a:t>
-            </a:r>
-            <a:endParaRPr lang="fr-CA" sz="4000" dirty="0">
+              <a:t>Crowd-to-DJ engagement</a:t>
+            </a:r>
+          </a:p>
+          <a:p>
+            <a:pPr marL="285750" indent="-285750">
+              <a:buFont typeface="Arial"/>
+              <a:buChar char="•"/>
+            </a:pPr>
+            <a:endParaRPr lang="en-US" sz="3600" dirty="0" smtClean="0">
               <a:solidFill>
                 <a:srgbClr val="4DC7E9"/>
               </a:solidFill>
-              <a:effectLst/>
-              <a:latin typeface="Heiti TC Light"/>
-              <a:cs typeface="Heiti TC Light"/>
+              <a:latin typeface="Arial Hebrew Light"/>
+              <a:cs typeface="Arial Hebrew Light"/>
+            </a:endParaRPr>
+          </a:p>
+          <a:p>
+            <a:pPr marL="285750" indent="-285750">
+              <a:buFont typeface="Arial"/>
+              <a:buChar char="•"/>
+            </a:pPr>
+            <a:endParaRPr lang="en-US" dirty="0">
+              <a:latin typeface="Arial Hebrew Light"/>
+              <a:cs typeface="Arial Hebrew Light"/>
             </a:endParaRPr>
           </a:p>
         </p:txBody>
@@ -3931,7 +3863,7 @@
     </p:spTree>
     <p:extLst>
       <p:ext uri="{BB962C8B-B14F-4D97-AF65-F5344CB8AC3E}">
-        <p14:creationId xmlns:p14="http://schemas.microsoft.com/office/powerpoint/2010/main" val="3995042174"/>
+        <p14:creationId xmlns:p14="http://schemas.microsoft.com/office/powerpoint/2010/main" val="467257907"/>
       </p:ext>
     </p:extLst>
   </p:cSld>
@@ -3960,7 +3892,7 @@
       </p:grpSpPr>
       <p:pic>
         <p:nvPicPr>
-          <p:cNvPr id="3" name="Picture 2"/>
+          <p:cNvPr id="4" name="Picture 3" descr="hardwell-revealed-bus-tour.jpg"/>
           <p:cNvPicPr>
             <a:picLocks noChangeAspect="1"/>
           </p:cNvPicPr>
@@ -3980,115 +3912,18 @@
         </p:blipFill>
         <p:spPr>
           <a:xfrm>
-            <a:off x="-560211" y="0"/>
-            <a:ext cx="10287000" cy="6858000"/>
+            <a:off x="-172456" y="329277"/>
+            <a:ext cx="9610411" cy="6406941"/>
           </a:xfrm>
           <a:prstGeom prst="rect">
             <a:avLst/>
           </a:prstGeom>
         </p:spPr>
       </p:pic>
-      <p:sp>
-        <p:nvSpPr>
-          <p:cNvPr id="5" name="Title 1"/>
-          <p:cNvSpPr txBox="1">
-            <a:spLocks/>
-          </p:cNvSpPr>
-          <p:nvPr/>
-        </p:nvSpPr>
-        <p:spPr>
-          <a:xfrm>
-            <a:off x="814237" y="1635132"/>
-            <a:ext cx="7772400" cy="3587293"/>
-          </a:xfrm>
-          <a:prstGeom prst="rect">
-            <a:avLst/>
-          </a:prstGeom>
-          <a:effectLst>
-            <a:glow rad="139700">
-              <a:schemeClr val="accent5">
-                <a:satMod val="175000"/>
-                <a:alpha val="40000"/>
-              </a:schemeClr>
-            </a:glow>
-          </a:effectLst>
-        </p:spPr>
-        <p:txBody>
-          <a:bodyPr>
-            <a:noAutofit/>
-          </a:bodyPr>
-          <a:lstStyle>
-            <a:lvl1pPr algn="ctr" defTabSz="914400" rtl="0" eaLnBrk="1" latinLnBrk="0" hangingPunct="1">
-              <a:spcBef>
-                <a:spcPct val="0"/>
-              </a:spcBef>
-              <a:buNone/>
-              <a:defRPr sz="4400" kern="1200">
-                <a:solidFill>
-                  <a:schemeClr val="tx1"/>
-                </a:solidFill>
-                <a:latin typeface="+mj-lt"/>
-                <a:ea typeface="+mj-ea"/>
-                <a:cs typeface="+mj-cs"/>
-              </a:defRPr>
-            </a:lvl1pPr>
-          </a:lstStyle>
-          <a:p>
-            <a:r>
-              <a:rPr lang="fr-CA" sz="9600" dirty="0" err="1" smtClean="0">
-                <a:solidFill>
-                  <a:srgbClr val="FFFF00"/>
-                </a:solidFill>
-                <a:effectLst>
-                  <a:glow rad="228600">
-                    <a:srgbClr val="4DC7E9">
-                      <a:alpha val="74000"/>
-                    </a:srgbClr>
-                  </a:glow>
-                </a:effectLst>
-                <a:latin typeface="Heiti TC Light"/>
-                <a:cs typeface="Heiti TC Light"/>
-              </a:rPr>
-              <a:t>Become</a:t>
-            </a:r>
-            <a:r>
-              <a:rPr lang="fr-CA" sz="9600" dirty="0" smtClean="0">
-                <a:solidFill>
-                  <a:srgbClr val="FFFF00"/>
-                </a:solidFill>
-                <a:effectLst>
-                  <a:glow rad="228600">
-                    <a:srgbClr val="4DC7E9">
-                      <a:alpha val="74000"/>
-                    </a:srgbClr>
-                  </a:glow>
-                </a:effectLst>
-                <a:latin typeface="Heiti TC Light"/>
-                <a:cs typeface="Heiti TC Light"/>
-              </a:rPr>
-              <a:t> a rock star!</a:t>
-            </a:r>
-            <a:endParaRPr lang="fr-CA" sz="9600" dirty="0">
-              <a:solidFill>
-                <a:srgbClr val="FFFF00"/>
-              </a:solidFill>
-              <a:effectLst>
-                <a:glow rad="228600">
-                  <a:srgbClr val="4DC7E9">
-                    <a:alpha val="74000"/>
-                  </a:srgbClr>
-                </a:glow>
-              </a:effectLst>
-              <a:latin typeface="Heiti TC Light"/>
-              <a:cs typeface="Heiti TC Light"/>
-            </a:endParaRPr>
-          </a:p>
-        </p:txBody>
-      </p:sp>
     </p:spTree>
     <p:extLst>
       <p:ext uri="{BB962C8B-B14F-4D97-AF65-F5344CB8AC3E}">
-        <p14:creationId xmlns:p14="http://schemas.microsoft.com/office/powerpoint/2010/main" val="2846298184"/>
+        <p14:creationId xmlns:p14="http://schemas.microsoft.com/office/powerpoint/2010/main" val="2361099829"/>
       </p:ext>
     </p:extLst>
   </p:cSld>
@@ -4319,14 +4154,7 @@
                 <a:latin typeface="Heiti TC Light"/>
                 <a:cs typeface="Heiti TC Light"/>
               </a:rPr>
-              <a:t>Brian </a:t>
-            </a:r>
-            <a:r>
-              <a:rPr lang="fr-CA" b="1" dirty="0" smtClean="0">
-                <a:latin typeface="Heiti TC Light"/>
-                <a:cs typeface="Heiti TC Light"/>
-              </a:rPr>
-              <a:t>Zhu</a:t>
+              <a:t>Brian Zhu</a:t>
             </a:r>
           </a:p>
           <a:p>
@@ -4368,109 +4196,6 @@
     <p:extLst>
       <p:ext uri="{BB962C8B-B14F-4D97-AF65-F5344CB8AC3E}">
         <p14:creationId xmlns:p14="http://schemas.microsoft.com/office/powerpoint/2010/main" val="4178679658"/>
-      </p:ext>
-    </p:extLst>
-  </p:cSld>
-  <p:clrMapOvr>
-    <a:masterClrMapping/>
-  </p:clrMapOvr>
-</p:sld>
-</file>
-
-<file path=ppt/slides/slide7.xml><?xml version="1.0" encoding="utf-8"?>
-<p:sld xmlns:a="http://schemas.openxmlformats.org/drawingml/2006/main" xmlns:r="http://schemas.openxmlformats.org/officeDocument/2006/relationships" xmlns:p="http://schemas.openxmlformats.org/presentationml/2006/main">
-  <p:cSld>
-    <p:spTree>
-      <p:nvGrpSpPr>
-        <p:cNvPr id="1" name=""/>
-        <p:cNvGrpSpPr/>
-        <p:nvPr/>
-      </p:nvGrpSpPr>
-      <p:grpSpPr>
-        <a:xfrm>
-          <a:off x="0" y="0"/>
-          <a:ext cx="0" cy="0"/>
-          <a:chOff x="0" y="0"/>
-          <a:chExt cx="0" cy="0"/>
-        </a:xfrm>
-      </p:grpSpPr>
-      <p:pic>
-        <p:nvPicPr>
-          <p:cNvPr id="3" name="Picture 2"/>
-          <p:cNvPicPr>
-            <a:picLocks noChangeAspect="1"/>
-          </p:cNvPicPr>
-          <p:nvPr/>
-        </p:nvPicPr>
-        <p:blipFill>
-          <a:blip r:embed="rId2">
-            <a:extLst>
-              <a:ext uri="{28A0092B-C50C-407E-A947-70E740481C1C}">
-                <a14:useLocalDpi xmlns:a14="http://schemas.microsoft.com/office/drawing/2010/main" val="0"/>
-              </a:ext>
-            </a:extLst>
-          </a:blip>
-          <a:stretch>
-            <a:fillRect/>
-          </a:stretch>
-        </p:blipFill>
-        <p:spPr>
-          <a:xfrm>
-            <a:off x="-560211" y="0"/>
-            <a:ext cx="10287000" cy="6858000"/>
-          </a:xfrm>
-          <a:prstGeom prst="rect">
-            <a:avLst/>
-          </a:prstGeom>
-        </p:spPr>
-      </p:pic>
-      <p:pic>
-        <p:nvPicPr>
-          <p:cNvPr id="4" name="Picture 3" descr="front-view.jpg"/>
-          <p:cNvPicPr>
-            <a:picLocks noChangeAspect="1"/>
-          </p:cNvPicPr>
-          <p:nvPr/>
-        </p:nvPicPr>
-        <p:blipFill>
-          <a:blip r:embed="rId3">
-            <a:extLst>
-              <a:ext uri="{BEBA8EAE-BF5A-486C-A8C5-ECC9F3942E4B}">
-                <a14:imgProps xmlns:a14="http://schemas.microsoft.com/office/drawing/2010/main">
-                  <a14:imgLayer r:embed="rId4">
-                    <a14:imgEffect>
-                      <a14:backgroundRemoval t="10000" b="90000" l="10000" r="90000">
-                        <a14:backgroundMark x1="56927" y1="54722" x2="56927" y2="54722"/>
-                        <a14:backgroundMark x1="46146" y1="21111" x2="46146" y2="21111"/>
-                        <a14:backgroundMark x1="46146" y1="19537" x2="46146" y2="19537"/>
-                      </a14:backgroundRemoval>
-                    </a14:imgEffect>
-                  </a14:imgLayer>
-                </a14:imgProps>
-              </a:ext>
-              <a:ext uri="{28A0092B-C50C-407E-A947-70E740481C1C}">
-                <a14:useLocalDpi xmlns:a14="http://schemas.microsoft.com/office/drawing/2010/main" val="0"/>
-              </a:ext>
-            </a:extLst>
-          </a:blip>
-          <a:stretch>
-            <a:fillRect/>
-          </a:stretch>
-        </p:blipFill>
-        <p:spPr>
-          <a:xfrm>
-            <a:off x="-1516136" y="0"/>
-            <a:ext cx="12192000" cy="6858000"/>
-          </a:xfrm>
-          <a:prstGeom prst="rect">
-            <a:avLst/>
-          </a:prstGeom>
-        </p:spPr>
-      </p:pic>
-    </p:spTree>
-    <p:extLst>
-      <p:ext uri="{BB962C8B-B14F-4D97-AF65-F5344CB8AC3E}">
-        <p14:creationId xmlns:p14="http://schemas.microsoft.com/office/powerpoint/2010/main" val="4113384388"/>
       </p:ext>
     </p:extLst>
   </p:cSld>
